--- a/Analisis/Diagrama-de-actividades.pptx
+++ b/Analisis/Diagrama-de-actividades.pptx
@@ -110,6 +110,22 @@
       </a:defRPr>
     </a:lvl9pPr>
   </p:defaultTextStyle>
+  <p:extLst>
+    <p:ext uri="{EFAFB233-063F-42B5-8137-9DF3F51BA10A}">
+      <p15:sldGuideLst xmlns:p15="http://schemas.microsoft.com/office/powerpoint/2012/main">
+        <p15:guide id="1" orient="horz" pos="2160">
+          <p15:clr>
+            <a:srgbClr val="A4A3A4"/>
+          </p15:clr>
+        </p15:guide>
+        <p15:guide id="2" pos="2880">
+          <p15:clr>
+            <a:srgbClr val="A4A3A4"/>
+          </p15:clr>
+        </p15:guide>
+      </p15:sldGuideLst>
+    </p:ext>
+  </p:extLst>
 </p:presentation>
 </file>
 
@@ -250,7 +266,7 @@
           <a:p>
             <a:fld id="{C2C8E811-CD4F-4BCA-9642-9A98E4036434}" type="datetimeFigureOut">
               <a:rPr lang="es-US" smtClean="0"/>
-              <a:t>10/4/2016</a:t>
+              <a:t>10/7/2016</a:t>
             </a:fld>
             <a:endParaRPr lang="es-US"/>
           </a:p>
@@ -1119,7 +1135,7 @@
           <a:p>
             <a:fld id="{C2C8E811-CD4F-4BCA-9642-9A98E4036434}" type="datetimeFigureOut">
               <a:rPr lang="es-US" smtClean="0"/>
-              <a:t>10/4/2016</a:t>
+              <a:t>10/7/2016</a:t>
             </a:fld>
             <a:endParaRPr lang="es-US"/>
           </a:p>
@@ -1294,7 +1310,7 @@
           <a:p>
             <a:fld id="{C2C8E811-CD4F-4BCA-9642-9A98E4036434}" type="datetimeFigureOut">
               <a:rPr lang="es-US" smtClean="0"/>
-              <a:t>10/4/2016</a:t>
+              <a:t>10/7/2016</a:t>
             </a:fld>
             <a:endParaRPr lang="es-US"/>
           </a:p>
@@ -1464,7 +1480,7 @@
           <a:p>
             <a:fld id="{C2C8E811-CD4F-4BCA-9642-9A98E4036434}" type="datetimeFigureOut">
               <a:rPr lang="es-US" smtClean="0"/>
-              <a:t>10/4/2016</a:t>
+              <a:t>10/7/2016</a:t>
             </a:fld>
             <a:endParaRPr lang="es-US"/>
           </a:p>
@@ -1674,7 +1690,7 @@
           <a:p>
             <a:fld id="{C2C8E811-CD4F-4BCA-9642-9A98E4036434}" type="datetimeFigureOut">
               <a:rPr lang="es-US" smtClean="0"/>
-              <a:t>10/4/2016</a:t>
+              <a:t>10/7/2016</a:t>
             </a:fld>
             <a:endParaRPr lang="es-US"/>
           </a:p>
@@ -2488,7 +2504,7 @@
           <a:p>
             <a:fld id="{C2C8E811-CD4F-4BCA-9642-9A98E4036434}" type="datetimeFigureOut">
               <a:rPr lang="es-US" smtClean="0"/>
-              <a:t>10/4/2016</a:t>
+              <a:t>10/7/2016</a:t>
             </a:fld>
             <a:endParaRPr lang="es-US"/>
           </a:p>
@@ -2724,7 +2740,7 @@
           <a:p>
             <a:fld id="{C2C8E811-CD4F-4BCA-9642-9A98E4036434}" type="datetimeFigureOut">
               <a:rPr lang="es-US" smtClean="0"/>
-              <a:t>10/4/2016</a:t>
+              <a:t>10/7/2016</a:t>
             </a:fld>
             <a:endParaRPr lang="es-US"/>
           </a:p>
@@ -3047,7 +3063,7 @@
           <a:p>
             <a:fld id="{C2C8E811-CD4F-4BCA-9642-9A98E4036434}" type="datetimeFigureOut">
               <a:rPr lang="es-US" smtClean="0"/>
-              <a:t>10/4/2016</a:t>
+              <a:t>10/7/2016</a:t>
             </a:fld>
             <a:endParaRPr lang="es-US"/>
           </a:p>
@@ -3137,7 +3153,7 @@
           <a:p>
             <a:fld id="{C2C8E811-CD4F-4BCA-9642-9A98E4036434}" type="datetimeFigureOut">
               <a:rPr lang="es-US" smtClean="0"/>
-              <a:t>10/4/2016</a:t>
+              <a:t>10/7/2016</a:t>
             </a:fld>
             <a:endParaRPr lang="es-US"/>
           </a:p>
@@ -3654,7 +3670,7 @@
           <a:p>
             <a:fld id="{C2C8E811-CD4F-4BCA-9642-9A98E4036434}" type="datetimeFigureOut">
               <a:rPr lang="es-US" smtClean="0"/>
-              <a:t>10/4/2016</a:t>
+              <a:t>10/7/2016</a:t>
             </a:fld>
             <a:endParaRPr lang="es-US"/>
           </a:p>
@@ -4165,7 +4181,7 @@
           <a:p>
             <a:fld id="{C2C8E811-CD4F-4BCA-9642-9A98E4036434}" type="datetimeFigureOut">
               <a:rPr lang="es-US" smtClean="0"/>
-              <a:t>10/4/2016</a:t>
+              <a:t>10/7/2016</a:t>
             </a:fld>
             <a:endParaRPr lang="es-US"/>
           </a:p>
@@ -4410,7 +4426,7 @@
           <a:p>
             <a:fld id="{C2C8E811-CD4F-4BCA-9642-9A98E4036434}" type="datetimeFigureOut">
               <a:rPr lang="es-US" smtClean="0"/>
-              <a:t>10/4/2016</a:t>
+              <a:t>10/7/2016</a:t>
             </a:fld>
             <a:endParaRPr lang="es-US"/>
           </a:p>
@@ -5778,7 +5794,15 @@
           <a:p>
             <a:r>
               <a:rPr lang="es-US" dirty="0" smtClean="0"/>
-              <a:t>Este diagrama nos va a servir para que nos pueda mostrar los pasos que se tuvieron que seguir para la relación hardware software y usuario, para que el carro autómata pueda iniciar y tener un buen performance.</a:t>
+              <a:t>Este diagrama nos va a servir para que nos pueda mostrar los pasos que se tuvieron que seguir para la </a:t>
+            </a:r>
+            <a:r>
+              <a:rPr lang="es-US" smtClean="0"/>
+              <a:t>relación hardware, </a:t>
+            </a:r>
+            <a:r>
+              <a:rPr lang="es-US" dirty="0" smtClean="0"/>
+              <a:t>software y usuario, para que el carro autómata pueda iniciar y tener un buen performance.</a:t>
             </a:r>
             <a:endParaRPr lang="es-US" dirty="0"/>
           </a:p>
@@ -5836,7 +5860,7 @@
           <a:bodyPr/>
           <a:lstStyle/>
           <a:p>
-            <a:endParaRPr lang="es-US"/>
+            <a:endParaRPr lang="es-US" dirty="0"/>
           </a:p>
         </p:txBody>
       </p:sp>
@@ -5856,27 +5880,41 @@
           <a:lstStyle/>
           <a:p>
             <a:r>
-              <a:rPr lang="es-US">
+              <a:rPr lang="es-US" dirty="0">
                 <a:hlinkClick r:id="rId2"/>
               </a:rPr>
-              <a:t>https</a:t>
-            </a:r>
-            <a:r>
-              <a:rPr lang="es-US">
-                <a:hlinkClick r:id="rId2"/>
-              </a:rPr>
-              <a:t>://</a:t>
-            </a:r>
-            <a:r>
-              <a:rPr lang="es-US" smtClean="0">
+              <a:t>https://</a:t>
+            </a:r>
+            <a:r>
+              <a:rPr lang="es-US" dirty="0" smtClean="0">
                 <a:hlinkClick r:id="rId2"/>
               </a:rPr>
               <a:t>www.osmosislatina.com/lenguajes/uml/actividad.htm</a:t>
             </a:r>
-            <a:endParaRPr lang="es-US" smtClean="0"/>
-          </a:p>
-          <a:p>
-            <a:endParaRPr lang="es-US"/>
+            <a:endParaRPr lang="es-US" dirty="0" smtClean="0"/>
+          </a:p>
+          <a:p>
+            <a:r>
+              <a:rPr lang="es-US" dirty="0" smtClean="0">
+                <a:hlinkClick r:id="rId3"/>
+              </a:rPr>
+              <a:t>http://msdn</a:t>
+            </a:r>
+            <a:endParaRPr lang="es-US" dirty="0" smtClean="0"/>
+          </a:p>
+          <a:p>
+            <a:pPr marL="0" indent="0">
+              <a:buNone/>
+            </a:pPr>
+            <a:r>
+              <a:rPr lang="es-US" smtClean="0"/>
+              <a:t>.</a:t>
+            </a:r>
+            <a:r>
+              <a:rPr lang="es-US" dirty="0" smtClean="0"/>
+              <a:t>com</a:t>
+            </a:r>
+            <a:endParaRPr lang="es-US" dirty="0"/>
           </a:p>
         </p:txBody>
       </p:sp>
@@ -5890,6 +5928,13 @@
   <p:clrMapOvr>
     <a:masterClrMapping/>
   </p:clrMapOvr>
+  <p:timing>
+    <p:tnLst>
+      <p:par>
+        <p:cTn id="1" dur="indefinite" restart="never" nodeType="tmRoot"/>
+      </p:par>
+    </p:tnLst>
+  </p:timing>
 </p:sld>
 </file>
 
